--- a/docker勉強会Vol1.pptx
+++ b/docker勉強会Vol1.pptx
@@ -1013,11 +1013,7 @@
             </a:r>
             <a:r>
               <a:rPr kumimoji="1" lang="ja-JP" altLang="en-US" smtClean="0"/>
-              <a:t>の基本と</a:t>
-            </a:r>
-            <a:r>
-              <a:rPr kumimoji="1" lang="ja-JP" altLang="en-US" smtClean="0"/>
-              <a:t>ハンズオン～</a:t>
+              <a:t>の基本とハンズオン～</a:t>
             </a:r>
             <a:endParaRPr kumimoji="1" lang="en-US" altLang="ja-JP" smtClean="0"/>
           </a:p>
@@ -1322,6 +1318,13 @@
   <p:clrMapOvr>
     <a:masterClrMapping/>
   </p:clrMapOvr>
+  <p:timing>
+    <p:tnLst>
+      <p:par>
+        <p:cTn id="1" dur="indefinite" restart="never" nodeType="tmRoot"/>
+      </p:par>
+    </p:tnLst>
+  </p:timing>
 </p:sld>
 </file>
 
@@ -1363,11 +1366,7 @@
             </a:r>
             <a:r>
               <a:rPr lang="ja-JP" altLang="en-US"/>
-              <a:t>の基本を</a:t>
-            </a:r>
-            <a:r>
-              <a:rPr lang="ja-JP" altLang="en-US"/>
-              <a:t>知る</a:t>
+              <a:t>の基本を知る</a:t>
             </a:r>
             <a:r>
               <a:rPr lang="ja-JP" altLang="en-US" smtClean="0"/>
@@ -1414,6 +1413,13 @@
   <p:clrMapOvr>
     <a:masterClrMapping/>
   </p:clrMapOvr>
+  <p:timing>
+    <p:tnLst>
+      <p:par>
+        <p:cTn id="1" dur="indefinite" restart="never" nodeType="tmRoot"/>
+      </p:par>
+    </p:tnLst>
+  </p:timing>
 </p:sld>
 </file>
 
@@ -1928,13 +1934,7 @@
               <a:rPr lang="en-US" altLang="ja-JP">
                 <a:hlinkClick r:id="rId2"/>
               </a:rPr>
-              <a:t>https</a:t>
-            </a:r>
-            <a:r>
-              <a:rPr lang="en-US" altLang="ja-JP">
-                <a:hlinkClick r:id="rId2"/>
-              </a:rPr>
-              <a:t>://</a:t>
+              <a:t>https://</a:t>
             </a:r>
             <a:r>
               <a:rPr lang="en-US" altLang="ja-JP" smtClean="0">
@@ -1957,13 +1957,7 @@
               <a:rPr lang="en-US" altLang="ja-JP">
                 <a:hlinkClick r:id="rId3"/>
               </a:rPr>
-              <a:t>https://</a:t>
-            </a:r>
-            <a:r>
-              <a:rPr lang="en-US" altLang="ja-JP">
-                <a:hlinkClick r:id="rId3"/>
-              </a:rPr>
-              <a:t>docs.microsoft.com/ja-jp/azure/architecture/patterns</a:t>
+              <a:t>https://docs.microsoft.com/ja-jp/azure/architecture/patterns</a:t>
             </a:r>
             <a:r>
               <a:rPr lang="en-US" altLang="ja-JP" smtClean="0">
@@ -1985,13 +1979,7 @@
               <a:rPr lang="en-US" altLang="ja-JP">
                 <a:hlinkClick r:id="rId4"/>
               </a:rPr>
-              <a:t>https://</a:t>
-            </a:r>
-            <a:r>
-              <a:rPr lang="en-US" altLang="ja-JP">
-                <a:hlinkClick r:id="rId4"/>
-              </a:rPr>
-              <a:t>hub.docker.com</a:t>
+              <a:t>https://hub.docker.com</a:t>
             </a:r>
             <a:r>
               <a:rPr lang="en-US" altLang="ja-JP" smtClean="0">
@@ -2747,11 +2735,7 @@
             </a:r>
             <a:r>
               <a:rPr lang="ja-JP" altLang="en-US"/>
-              <a:t>って</a:t>
-            </a:r>
-            <a:r>
-              <a:rPr lang="ja-JP" altLang="en-US"/>
-              <a:t>何</a:t>
+              <a:t>って何</a:t>
             </a:r>
             <a:r>
               <a:rPr lang="en-US" altLang="ja-JP" smtClean="0"/>
@@ -3120,11 +3104,7 @@
             </a:r>
             <a:r>
               <a:rPr lang="ja-JP" altLang="en-US"/>
-              <a:t>の基本を</a:t>
-            </a:r>
-            <a:r>
-              <a:rPr lang="ja-JP" altLang="en-US"/>
-              <a:t>知る</a:t>
+              <a:t>の基本を知る</a:t>
             </a:r>
             <a:r>
               <a:rPr lang="ja-JP" altLang="en-US" smtClean="0"/>
@@ -3384,11 +3364,7 @@
             </a:r>
             <a:r>
               <a:rPr lang="ja-JP" altLang="en-US"/>
-              <a:t>の基本を</a:t>
-            </a:r>
-            <a:r>
-              <a:rPr lang="ja-JP" altLang="en-US"/>
-              <a:t>知る</a:t>
+              <a:t>の基本を知る</a:t>
             </a:r>
             <a:r>
               <a:rPr lang="ja-JP" altLang="en-US" smtClean="0"/>
@@ -3466,11 +3442,7 @@
             </a:r>
             <a:r>
               <a:rPr lang="ja-JP" altLang="en-US"/>
-              <a:t>の基本を</a:t>
-            </a:r>
-            <a:r>
-              <a:rPr lang="ja-JP" altLang="en-US"/>
-              <a:t>知る</a:t>
+              <a:t>の基本を知る</a:t>
             </a:r>
             <a:r>
               <a:rPr lang="ja-JP" altLang="en-US" smtClean="0"/>
@@ -4349,7 +4321,11 @@
             </a:r>
             <a:r>
               <a:rPr kumimoji="1" lang="ja-JP" altLang="en-US" smtClean="0"/>
-              <a:t>から見ると、コンテナはただのプロセス</a:t>
+              <a:t>から見ると、コンテナはただの</a:t>
+            </a:r>
+            <a:r>
+              <a:rPr kumimoji="1" lang="ja-JP" altLang="en-US" smtClean="0"/>
+              <a:t>プロセスとファイル群</a:t>
             </a:r>
             <a:endParaRPr lang="en-US" altLang="ja-JP" smtClean="0"/>
           </a:p>
@@ -4357,7 +4333,11 @@
             <a:pPr lvl="1"/>
             <a:r>
               <a:rPr kumimoji="1" lang="ja-JP" altLang="en-US" smtClean="0"/>
-              <a:t>コンテナからホスト</a:t>
+              <a:t>コンテナ</a:t>
+            </a:r>
+            <a:r>
+              <a:rPr kumimoji="1" lang="ja-JP" altLang="en-US" smtClean="0"/>
+              <a:t>からホスト</a:t>
             </a:r>
             <a:r>
               <a:rPr kumimoji="1" lang="en-US" altLang="ja-JP" smtClean="0"/>
@@ -4365,7 +4345,11 @@
             </a:r>
             <a:r>
               <a:rPr kumimoji="1" lang="ja-JP" altLang="en-US" smtClean="0"/>
-              <a:t>は見えない</a:t>
+              <a:t>は</a:t>
+            </a:r>
+            <a:r>
+              <a:rPr kumimoji="1" lang="ja-JP" altLang="en-US" smtClean="0"/>
+              <a:t>見えない</a:t>
             </a:r>
             <a:r>
               <a:rPr kumimoji="1" lang="en-US" altLang="ja-JP" smtClean="0"/>
@@ -4579,7 +4563,7 @@
             <a:avLst/>
           </a:prstGeom>
           <a:solidFill>
-            <a:schemeClr val="accent6">
+            <a:schemeClr val="accent2">
               <a:lumMod val="40000"/>
               <a:lumOff val="60000"/>
             </a:schemeClr>
@@ -4999,14 +4983,14 @@
         </p:nvSpPr>
         <p:spPr>
           <a:xfrm>
-            <a:off x="3261894" y="3205462"/>
+            <a:off x="3261894" y="3189648"/>
             <a:ext cx="2419057" cy="2257830"/>
           </a:xfrm>
           <a:prstGeom prst="rect">
             <a:avLst/>
           </a:prstGeom>
           <a:solidFill>
-            <a:schemeClr val="accent6">
+            <a:schemeClr val="accent2">
               <a:lumMod val="40000"/>
               <a:lumOff val="60000"/>
             </a:schemeClr>
@@ -5062,7 +5046,7 @@
         </p:nvSpPr>
         <p:spPr>
           <a:xfrm>
-            <a:off x="3367293" y="4128100"/>
+            <a:off x="3367293" y="4112286"/>
             <a:ext cx="2233117" cy="1270526"/>
           </a:xfrm>
           <a:prstGeom prst="rect">
@@ -5139,7 +5123,7 @@
         </p:nvSpPr>
         <p:spPr>
           <a:xfrm>
-            <a:off x="4185377" y="4492747"/>
+            <a:off x="4185377" y="4476933"/>
             <a:ext cx="692419" cy="352565"/>
           </a:xfrm>
           <a:prstGeom prst="roundRect">
@@ -5209,7 +5193,7 @@
         </p:nvSpPr>
         <p:spPr>
           <a:xfrm>
-            <a:off x="3840457" y="4919474"/>
+            <a:off x="3840457" y="4903660"/>
             <a:ext cx="692419" cy="352565"/>
           </a:xfrm>
           <a:prstGeom prst="roundRect">
@@ -5279,7 +5263,7 @@
         </p:nvSpPr>
         <p:spPr>
           <a:xfrm>
-            <a:off x="4564098" y="4919474"/>
+            <a:off x="4564098" y="4903660"/>
             <a:ext cx="692419" cy="352565"/>
           </a:xfrm>
           <a:prstGeom prst="roundRect">
@@ -5349,7 +5333,7 @@
         </p:nvSpPr>
         <p:spPr>
           <a:xfrm>
-            <a:off x="3354863" y="3629704"/>
+            <a:off x="3354863" y="3613890"/>
             <a:ext cx="2233117" cy="433730"/>
           </a:xfrm>
           <a:prstGeom prst="rect">
@@ -5426,17 +5410,20 @@
         </p:nvSpPr>
         <p:spPr>
           <a:xfrm>
-            <a:off x="6268295" y="3293430"/>
-            <a:ext cx="2503172" cy="1375599"/>
+            <a:off x="6370975" y="3076390"/>
+            <a:ext cx="2503172" cy="939553"/>
           </a:xfrm>
           <a:prstGeom prst="wedgeRectCallout">
             <a:avLst>
-              <a:gd name="adj1" fmla="val -77920"/>
-              <a:gd name="adj2" fmla="val 64895"/>
+              <a:gd name="adj1" fmla="val -88067"/>
+              <a:gd name="adj2" fmla="val -16207"/>
             </a:avLst>
           </a:prstGeom>
           <a:solidFill>
-            <a:schemeClr val="tx1"/>
+            <a:schemeClr val="accent2">
+              <a:lumMod val="40000"/>
+              <a:lumOff val="60000"/>
+            </a:schemeClr>
           </a:solidFill>
           <a:ln>
             <a:noFill/>
@@ -5536,17 +5523,20 @@
         </p:nvSpPr>
         <p:spPr>
           <a:xfrm>
-            <a:off x="6268296" y="4944518"/>
-            <a:ext cx="2503172" cy="1375599"/>
+            <a:off x="6370975" y="4123607"/>
+            <a:ext cx="2503172" cy="916914"/>
           </a:xfrm>
           <a:prstGeom prst="wedgeRectCallout">
             <a:avLst>
-              <a:gd name="adj1" fmla="val -77920"/>
-              <a:gd name="adj2" fmla="val 64895"/>
+              <a:gd name="adj1" fmla="val -70817"/>
+              <a:gd name="adj2" fmla="val -14510"/>
             </a:avLst>
           </a:prstGeom>
           <a:solidFill>
-            <a:schemeClr val="tx1"/>
+            <a:schemeClr val="accent4">
+              <a:lumMod val="40000"/>
+              <a:lumOff val="60000"/>
+            </a:schemeClr>
           </a:solidFill>
           <a:ln>
             <a:noFill/>
@@ -5606,7 +5596,7 @@
                 <a:latin typeface="Meiryo UI" panose="020B0604030504040204" pitchFamily="50" charset="-128"/>
                 <a:ea typeface="Meiryo UI" panose="020B0604030504040204" pitchFamily="50" charset="-128"/>
               </a:rPr>
-              <a:t>からすると</a:t>
+              <a:t>からは</a:t>
             </a:r>
             <a:endParaRPr kumimoji="1" lang="en-US" altLang="ja-JP" smtClean="0">
               <a:solidFill>
@@ -5619,14 +5609,24 @@
           <a:p>
             <a:pPr algn="ctr"/>
             <a:r>
-              <a:rPr lang="ja-JP" altLang="en-US">
+              <a:rPr lang="ja-JP" altLang="en-US" smtClean="0">
                 <a:solidFill>
                   <a:schemeClr val="bg1"/>
                 </a:solidFill>
                 <a:latin typeface="Meiryo UI" panose="020B0604030504040204" pitchFamily="50" charset="-128"/>
                 <a:ea typeface="Meiryo UI" panose="020B0604030504040204" pitchFamily="50" charset="-128"/>
               </a:rPr>
-              <a:t>コンテナ</a:t>
+              <a:t>全コンテナのアプリ、</a:t>
+            </a:r>
+            <a:r>
+              <a:rPr lang="en-US" altLang="ja-JP" smtClean="0">
+                <a:solidFill>
+                  <a:schemeClr val="bg1"/>
+                </a:solidFill>
+                <a:latin typeface="Meiryo UI" panose="020B0604030504040204" pitchFamily="50" charset="-128"/>
+                <a:ea typeface="Meiryo UI" panose="020B0604030504040204" pitchFamily="50" charset="-128"/>
+              </a:rPr>
+              <a:t>MW</a:t>
             </a:r>
             <a:r>
               <a:rPr lang="ja-JP" altLang="en-US" smtClean="0">
@@ -5636,7 +5636,7 @@
                 <a:latin typeface="Meiryo UI" panose="020B0604030504040204" pitchFamily="50" charset="-128"/>
                 <a:ea typeface="Meiryo UI" panose="020B0604030504040204" pitchFamily="50" charset="-128"/>
               </a:rPr>
-              <a:t>はただの</a:t>
+              <a:t>プロセスが見える</a:t>
             </a:r>
             <a:endParaRPr lang="en-US" altLang="ja-JP" smtClean="0">
               <a:solidFill>
@@ -5646,8 +5646,211 @@
               <a:ea typeface="Meiryo UI" panose="020B0604030504040204" pitchFamily="50" charset="-128"/>
             </a:endParaRPr>
           </a:p>
+        </p:txBody>
+      </p:sp>
+      <p:sp>
+        <p:nvSpPr>
+          <p:cNvPr id="7" name="左カーブ矢印 6"/>
+          <p:cNvSpPr/>
+          <p:nvPr/>
+        </p:nvSpPr>
+        <p:spPr>
+          <a:xfrm flipV="1">
+            <a:off x="5373981" y="4944518"/>
+            <a:ext cx="533400" cy="1413933"/>
+          </a:xfrm>
+          <a:prstGeom prst="curvedLeftArrow">
+            <a:avLst/>
+          </a:prstGeom>
+          <a:solidFill>
+            <a:schemeClr val="accent6">
+              <a:lumMod val="60000"/>
+              <a:lumOff val="40000"/>
+            </a:schemeClr>
+          </a:solidFill>
+          <a:ln>
+            <a:noFill/>
+          </a:ln>
+        </p:spPr>
+        <p:style>
+          <a:lnRef idx="2">
+            <a:schemeClr val="accent1">
+              <a:shade val="50000"/>
+            </a:schemeClr>
+          </a:lnRef>
+          <a:fillRef idx="1">
+            <a:schemeClr val="accent1"/>
+          </a:fillRef>
+          <a:effectRef idx="0">
+            <a:schemeClr val="accent1"/>
+          </a:effectRef>
+          <a:fontRef idx="minor">
+            <a:schemeClr val="lt1"/>
+          </a:fontRef>
+        </p:style>
+        <p:txBody>
+          <a:bodyPr rtlCol="0" anchor="ctr"/>
+          <a:lstStyle/>
           <a:p>
             <a:pPr algn="ctr"/>
+            <a:endParaRPr kumimoji="1" lang="ja-JP" altLang="en-US" smtClean="0">
+              <a:solidFill>
+                <a:schemeClr val="bg1"/>
+              </a:solidFill>
+              <a:latin typeface="Meiryo UI" panose="020B0604030504040204" pitchFamily="50" charset="-128"/>
+              <a:ea typeface="Meiryo UI" panose="020B0604030504040204" pitchFamily="50" charset="-128"/>
+            </a:endParaRPr>
+          </a:p>
+        </p:txBody>
+      </p:sp>
+      <p:sp>
+        <p:nvSpPr>
+          <p:cNvPr id="21" name="左カーブ矢印 20"/>
+          <p:cNvSpPr/>
+          <p:nvPr/>
+        </p:nvSpPr>
+        <p:spPr>
+          <a:xfrm flipV="1">
+            <a:off x="5388233" y="3725332"/>
+            <a:ext cx="533400" cy="2608359"/>
+          </a:xfrm>
+          <a:prstGeom prst="curvedLeftArrow">
+            <a:avLst/>
+          </a:prstGeom>
+          <a:solidFill>
+            <a:schemeClr val="accent4">
+              <a:lumMod val="60000"/>
+              <a:lumOff val="40000"/>
+            </a:schemeClr>
+          </a:solidFill>
+          <a:ln>
+            <a:noFill/>
+          </a:ln>
+        </p:spPr>
+        <p:style>
+          <a:lnRef idx="2">
+            <a:schemeClr val="accent1">
+              <a:shade val="50000"/>
+            </a:schemeClr>
+          </a:lnRef>
+          <a:fillRef idx="1">
+            <a:schemeClr val="accent1"/>
+          </a:fillRef>
+          <a:effectRef idx="0">
+            <a:schemeClr val="accent1"/>
+          </a:effectRef>
+          <a:fontRef idx="minor">
+            <a:schemeClr val="lt1"/>
+          </a:fontRef>
+        </p:style>
+        <p:txBody>
+          <a:bodyPr rtlCol="0" anchor="ctr"/>
+          <a:lstStyle/>
+          <a:p>
+            <a:pPr algn="ctr"/>
+            <a:endParaRPr kumimoji="1" lang="ja-JP" altLang="en-US" smtClean="0">
+              <a:solidFill>
+                <a:schemeClr val="bg1"/>
+              </a:solidFill>
+              <a:latin typeface="Meiryo UI" panose="020B0604030504040204" pitchFamily="50" charset="-128"/>
+              <a:ea typeface="Meiryo UI" panose="020B0604030504040204" pitchFamily="50" charset="-128"/>
+            </a:endParaRPr>
+          </a:p>
+        </p:txBody>
+      </p:sp>
+      <p:sp>
+        <p:nvSpPr>
+          <p:cNvPr id="22" name="四角形吹き出し 21"/>
+          <p:cNvSpPr/>
+          <p:nvPr/>
+        </p:nvSpPr>
+        <p:spPr>
+          <a:xfrm>
+            <a:off x="6370975" y="5148184"/>
+            <a:ext cx="2503172" cy="972600"/>
+          </a:xfrm>
+          <a:prstGeom prst="wedgeRectCallout">
+            <a:avLst>
+              <a:gd name="adj1" fmla="val -68450"/>
+              <a:gd name="adj2" fmla="val 11699"/>
+            </a:avLst>
+          </a:prstGeom>
+          <a:solidFill>
+            <a:schemeClr val="accent6">
+              <a:lumMod val="60000"/>
+              <a:lumOff val="40000"/>
+            </a:schemeClr>
+          </a:solidFill>
+          <a:ln>
+            <a:noFill/>
+          </a:ln>
+        </p:spPr>
+        <p:style>
+          <a:lnRef idx="2">
+            <a:schemeClr val="accent1">
+              <a:shade val="50000"/>
+            </a:schemeClr>
+          </a:lnRef>
+          <a:fillRef idx="1">
+            <a:schemeClr val="accent1"/>
+          </a:fillRef>
+          <a:effectRef idx="0">
+            <a:schemeClr val="accent1"/>
+          </a:effectRef>
+          <a:fontRef idx="minor">
+            <a:schemeClr val="lt1"/>
+          </a:fontRef>
+        </p:style>
+        <p:txBody>
+          <a:bodyPr rot="0" spcFirstLastPara="0" vertOverflow="overflow" horzOverflow="overflow" vert="horz" wrap="square" lIns="91440" tIns="45720" rIns="91440" bIns="45720" numCol="1" spcCol="0" rtlCol="0" fromWordArt="0" anchor="ctr" anchorCtr="0" forceAA="0" compatLnSpc="1">
+            <a:prstTxWarp prst="textNoShape">
+              <a:avLst/>
+            </a:prstTxWarp>
+            <a:noAutofit/>
+          </a:bodyPr>
+          <a:lstStyle/>
+          <a:p>
+            <a:pPr algn="ctr"/>
+            <a:r>
+              <a:rPr kumimoji="1" lang="ja-JP" altLang="en-US" smtClean="0">
+                <a:solidFill>
+                  <a:schemeClr val="bg1"/>
+                </a:solidFill>
+                <a:latin typeface="Meiryo UI" panose="020B0604030504040204" pitchFamily="50" charset="-128"/>
+                <a:ea typeface="Meiryo UI" panose="020B0604030504040204" pitchFamily="50" charset="-128"/>
+              </a:rPr>
+              <a:t>ホスト</a:t>
+            </a:r>
+            <a:r>
+              <a:rPr kumimoji="1" lang="en-US" altLang="ja-JP" smtClean="0">
+                <a:solidFill>
+                  <a:schemeClr val="bg1"/>
+                </a:solidFill>
+                <a:latin typeface="Meiryo UI" panose="020B0604030504040204" pitchFamily="50" charset="-128"/>
+                <a:ea typeface="Meiryo UI" panose="020B0604030504040204" pitchFamily="50" charset="-128"/>
+              </a:rPr>
+              <a:t>OS</a:t>
+            </a:r>
+            <a:r>
+              <a:rPr kumimoji="1" lang="ja-JP" altLang="en-US" smtClean="0">
+                <a:solidFill>
+                  <a:schemeClr val="bg1"/>
+                </a:solidFill>
+                <a:latin typeface="Meiryo UI" panose="020B0604030504040204" pitchFamily="50" charset="-128"/>
+                <a:ea typeface="Meiryo UI" panose="020B0604030504040204" pitchFamily="50" charset="-128"/>
+              </a:rPr>
+              <a:t>からは</a:t>
+            </a:r>
+            <a:endParaRPr kumimoji="1" lang="en-US" altLang="ja-JP" smtClean="0">
+              <a:solidFill>
+                <a:schemeClr val="bg1"/>
+              </a:solidFill>
+              <a:latin typeface="Meiryo UI" panose="020B0604030504040204" pitchFamily="50" charset="-128"/>
+              <a:ea typeface="Meiryo UI" panose="020B0604030504040204" pitchFamily="50" charset="-128"/>
+            </a:endParaRPr>
+          </a:p>
+          <a:p>
+            <a:pPr algn="ctr"/>
             <a:r>
               <a:rPr lang="ja-JP" altLang="en-US" smtClean="0">
                 <a:solidFill>
@@ -5656,9 +5859,29 @@
                 <a:latin typeface="Meiryo UI" panose="020B0604030504040204" pitchFamily="50" charset="-128"/>
                 <a:ea typeface="Meiryo UI" panose="020B0604030504040204" pitchFamily="50" charset="-128"/>
               </a:rPr>
-              <a:t>プロセス</a:t>
-            </a:r>
-            <a:endParaRPr kumimoji="1" lang="ja-JP" altLang="en-US" smtClean="0">
+              <a:t>全コンテナのファイルも</a:t>
+            </a:r>
+            <a:endParaRPr lang="en-US" altLang="ja-JP" smtClean="0">
+              <a:solidFill>
+                <a:schemeClr val="bg1"/>
+              </a:solidFill>
+              <a:latin typeface="Meiryo UI" panose="020B0604030504040204" pitchFamily="50" charset="-128"/>
+              <a:ea typeface="Meiryo UI" panose="020B0604030504040204" pitchFamily="50" charset="-128"/>
+            </a:endParaRPr>
+          </a:p>
+          <a:p>
+            <a:pPr algn="ctr"/>
+            <a:r>
+              <a:rPr lang="ja-JP" altLang="en-US" smtClean="0">
+                <a:solidFill>
+                  <a:schemeClr val="bg1"/>
+                </a:solidFill>
+                <a:latin typeface="Meiryo UI" panose="020B0604030504040204" pitchFamily="50" charset="-128"/>
+                <a:ea typeface="Meiryo UI" panose="020B0604030504040204" pitchFamily="50" charset="-128"/>
+              </a:rPr>
+              <a:t>見えている</a:t>
+            </a:r>
+            <a:endParaRPr lang="en-US" altLang="ja-JP" smtClean="0">
               <a:solidFill>
                 <a:schemeClr val="bg1"/>
               </a:solidFill>
